--- a/ppt/TopBeerPDFModel.pptx
+++ b/ppt/TopBeerPDFModel.pptx
@@ -261,7 +261,7 @@
           <a:p>
             <a:fld id="{7F232AAC-8AA4-4327-964B-53827A1879F3}" type="datetimeFigureOut">
               <a:rPr lang="en-US" smtClean="0"/>
-              <a:t>8/6/2017</a:t>
+              <a:t>06-Aug-17</a:t>
             </a:fld>
             <a:endParaRPr lang="en-US"/>
           </a:p>
@@ -431,7 +431,7 @@
           <a:p>
             <a:fld id="{7F232AAC-8AA4-4327-964B-53827A1879F3}" type="datetimeFigureOut">
               <a:rPr lang="en-US" smtClean="0"/>
-              <a:t>8/6/2017</a:t>
+              <a:t>06-Aug-17</a:t>
             </a:fld>
             <a:endParaRPr lang="en-US"/>
           </a:p>
@@ -611,7 +611,7 @@
           <a:p>
             <a:fld id="{7F232AAC-8AA4-4327-964B-53827A1879F3}" type="datetimeFigureOut">
               <a:rPr lang="en-US" smtClean="0"/>
-              <a:t>8/6/2017</a:t>
+              <a:t>06-Aug-17</a:t>
             </a:fld>
             <a:endParaRPr lang="en-US"/>
           </a:p>
@@ -803,7 +803,7 @@
           <a:p>
             <a:fld id="{EC8C714D-B1CE-464B-BA2D-457A1AE0EA95}" type="datetimeFigureOut">
               <a:rPr lang="en-US" smtClean="0"/>
-              <a:t>8/6/2017</a:t>
+              <a:t>06-Aug-17</a:t>
             </a:fld>
             <a:endParaRPr lang="en-US"/>
           </a:p>
@@ -973,7 +973,7 @@
           <a:p>
             <a:fld id="{EC8C714D-B1CE-464B-BA2D-457A1AE0EA95}" type="datetimeFigureOut">
               <a:rPr lang="en-US" smtClean="0"/>
-              <a:t>8/6/2017</a:t>
+              <a:t>06-Aug-17</a:t>
             </a:fld>
             <a:endParaRPr lang="en-US"/>
           </a:p>
@@ -1219,7 +1219,7 @@
           <a:p>
             <a:fld id="{EC8C714D-B1CE-464B-BA2D-457A1AE0EA95}" type="datetimeFigureOut">
               <a:rPr lang="en-US" smtClean="0"/>
-              <a:t>8/6/2017</a:t>
+              <a:t>06-Aug-17</a:t>
             </a:fld>
             <a:endParaRPr lang="en-US"/>
           </a:p>
@@ -1451,7 +1451,7 @@
           <a:p>
             <a:fld id="{EC8C714D-B1CE-464B-BA2D-457A1AE0EA95}" type="datetimeFigureOut">
               <a:rPr lang="en-US" smtClean="0"/>
-              <a:t>8/6/2017</a:t>
+              <a:t>06-Aug-17</a:t>
             </a:fld>
             <a:endParaRPr lang="en-US"/>
           </a:p>
@@ -1818,7 +1818,7 @@
           <a:p>
             <a:fld id="{EC8C714D-B1CE-464B-BA2D-457A1AE0EA95}" type="datetimeFigureOut">
               <a:rPr lang="en-US" smtClean="0"/>
-              <a:t>8/6/2017</a:t>
+              <a:t>06-Aug-17</a:t>
             </a:fld>
             <a:endParaRPr lang="en-US"/>
           </a:p>
@@ -1936,7 +1936,7 @@
           <a:p>
             <a:fld id="{EC8C714D-B1CE-464B-BA2D-457A1AE0EA95}" type="datetimeFigureOut">
               <a:rPr lang="en-US" smtClean="0"/>
-              <a:t>8/6/2017</a:t>
+              <a:t>06-Aug-17</a:t>
             </a:fld>
             <a:endParaRPr lang="en-US"/>
           </a:p>
@@ -2031,7 +2031,7 @@
           <a:p>
             <a:fld id="{EC8C714D-B1CE-464B-BA2D-457A1AE0EA95}" type="datetimeFigureOut">
               <a:rPr lang="en-US" smtClean="0"/>
-              <a:t>8/6/2017</a:t>
+              <a:t>06-Aug-17</a:t>
             </a:fld>
             <a:endParaRPr lang="en-US"/>
           </a:p>
@@ -2308,7 +2308,7 @@
           <a:p>
             <a:fld id="{EC8C714D-B1CE-464B-BA2D-457A1AE0EA95}" type="datetimeFigureOut">
               <a:rPr lang="en-US" smtClean="0"/>
-              <a:t>8/6/2017</a:t>
+              <a:t>06-Aug-17</a:t>
             </a:fld>
             <a:endParaRPr lang="en-US"/>
           </a:p>
@@ -2486,7 +2486,7 @@
           <a:p>
             <a:fld id="{7F232AAC-8AA4-4327-964B-53827A1879F3}" type="datetimeFigureOut">
               <a:rPr lang="en-US" smtClean="0"/>
-              <a:t>8/6/2017</a:t>
+              <a:t>06-Aug-17</a:t>
             </a:fld>
             <a:endParaRPr lang="en-US"/>
           </a:p>
@@ -2769,7 +2769,7 @@
           <a:p>
             <a:fld id="{EC8C714D-B1CE-464B-BA2D-457A1AE0EA95}" type="datetimeFigureOut">
               <a:rPr lang="en-US" smtClean="0"/>
-              <a:t>8/6/2017</a:t>
+              <a:t>06-Aug-17</a:t>
             </a:fld>
             <a:endParaRPr lang="en-US"/>
           </a:p>
@@ -2939,7 +2939,7 @@
           <a:p>
             <a:fld id="{EC8C714D-B1CE-464B-BA2D-457A1AE0EA95}" type="datetimeFigureOut">
               <a:rPr lang="en-US" smtClean="0"/>
-              <a:t>8/6/2017</a:t>
+              <a:t>06-Aug-17</a:t>
             </a:fld>
             <a:endParaRPr lang="en-US"/>
           </a:p>
@@ -3119,7 +3119,7 @@
           <a:p>
             <a:fld id="{EC8C714D-B1CE-464B-BA2D-457A1AE0EA95}" type="datetimeFigureOut">
               <a:rPr lang="en-US" smtClean="0"/>
-              <a:t>8/6/2017</a:t>
+              <a:t>06-Aug-17</a:t>
             </a:fld>
             <a:endParaRPr lang="en-US"/>
           </a:p>
@@ -3365,7 +3365,7 @@
           <a:p>
             <a:fld id="{7F232AAC-8AA4-4327-964B-53827A1879F3}" type="datetimeFigureOut">
               <a:rPr lang="en-US" smtClean="0"/>
-              <a:t>8/6/2017</a:t>
+              <a:t>06-Aug-17</a:t>
             </a:fld>
             <a:endParaRPr lang="en-US"/>
           </a:p>
@@ -3597,7 +3597,7 @@
           <a:p>
             <a:fld id="{7F232AAC-8AA4-4327-964B-53827A1879F3}" type="datetimeFigureOut">
               <a:rPr lang="en-US" smtClean="0"/>
-              <a:t>8/6/2017</a:t>
+              <a:t>06-Aug-17</a:t>
             </a:fld>
             <a:endParaRPr lang="en-US"/>
           </a:p>
@@ -3964,7 +3964,7 @@
           <a:p>
             <a:fld id="{7F232AAC-8AA4-4327-964B-53827A1879F3}" type="datetimeFigureOut">
               <a:rPr lang="en-US" smtClean="0"/>
-              <a:t>8/6/2017</a:t>
+              <a:t>06-Aug-17</a:t>
             </a:fld>
             <a:endParaRPr lang="en-US"/>
           </a:p>
@@ -4082,7 +4082,7 @@
           <a:p>
             <a:fld id="{7F232AAC-8AA4-4327-964B-53827A1879F3}" type="datetimeFigureOut">
               <a:rPr lang="en-US" smtClean="0"/>
-              <a:t>8/6/2017</a:t>
+              <a:t>06-Aug-17</a:t>
             </a:fld>
             <a:endParaRPr lang="en-US"/>
           </a:p>
@@ -4177,7 +4177,7 @@
           <a:p>
             <a:fld id="{7F232AAC-8AA4-4327-964B-53827A1879F3}" type="datetimeFigureOut">
               <a:rPr lang="en-US" smtClean="0"/>
-              <a:t>8/6/2017</a:t>
+              <a:t>06-Aug-17</a:t>
             </a:fld>
             <a:endParaRPr lang="en-US"/>
           </a:p>
@@ -4454,7 +4454,7 @@
           <a:p>
             <a:fld id="{7F232AAC-8AA4-4327-964B-53827A1879F3}" type="datetimeFigureOut">
               <a:rPr lang="en-US" smtClean="0"/>
-              <a:t>8/6/2017</a:t>
+              <a:t>06-Aug-17</a:t>
             </a:fld>
             <a:endParaRPr lang="en-US"/>
           </a:p>
@@ -4707,7 +4707,7 @@
           <a:p>
             <a:fld id="{7F232AAC-8AA4-4327-964B-53827A1879F3}" type="datetimeFigureOut">
               <a:rPr lang="en-US" smtClean="0"/>
-              <a:t>8/6/2017</a:t>
+              <a:t>06-Aug-17</a:t>
             </a:fld>
             <a:endParaRPr lang="en-US"/>
           </a:p>
@@ -4920,7 +4920,7 @@
           <a:p>
             <a:fld id="{7F232AAC-8AA4-4327-964B-53827A1879F3}" type="datetimeFigureOut">
               <a:rPr lang="en-US" smtClean="0"/>
-              <a:t>8/6/2017</a:t>
+              <a:t>06-Aug-17</a:t>
             </a:fld>
             <a:endParaRPr lang="en-US"/>
           </a:p>
@@ -5460,7 +5460,7 @@
           <a:p>
             <a:fld id="{EC8C714D-B1CE-464B-BA2D-457A1AE0EA95}" type="datetimeFigureOut">
               <a:rPr lang="en-US" smtClean="0"/>
-              <a:t>8/6/2017</a:t>
+              <a:t>06-Aug-17</a:t>
             </a:fld>
             <a:endParaRPr lang="en-US"/>
           </a:p>
@@ -5891,7 +5891,7 @@
           <a:blip r:embed="rId2">
             <a:extLst>
               <a:ext uri="{96DAC541-7B7A-43D3-8B79-37D633B846F1}">
-                <asvg:svgBlip xmlns:asvg="http://schemas.microsoft.com/office/drawing/2016/SVG/main" r:embed="rId3"/>
+                <asvg:svgBlip xmlns:asvg="http://schemas.microsoft.com/office/drawing/2016/SVG/main" xmlns="" r:embed="rId3"/>
               </a:ext>
             </a:extLst>
           </a:blip>
@@ -7444,6 +7444,33 @@
           </a:p>
         </p:txBody>
       </p:sp>
+      <p:pic>
+        <p:nvPicPr>
+          <p:cNvPr id="3" name="Imagem 2"/>
+          <p:cNvPicPr>
+            <a:picLocks noChangeAspect="1"/>
+          </p:cNvPicPr>
+          <p:nvPr/>
+        </p:nvPicPr>
+        <p:blipFill>
+          <a:blip r:embed="rId2"/>
+          <a:stretch>
+            <a:fillRect/>
+          </a:stretch>
+        </p:blipFill>
+        <p:spPr>
+          <a:xfrm>
+            <a:off x="4817359" y="1825625"/>
+            <a:ext cx="2557282" cy="4781006"/>
+          </a:xfrm>
+          <a:prstGeom prst="rect">
+            <a:avLst/>
+          </a:prstGeom>
+          <a:effectLst>
+            <a:softEdge rad="50800"/>
+          </a:effectLst>
+        </p:spPr>
+      </p:pic>
     </p:spTree>
     <p:extLst>
       <p:ext uri="{BB962C8B-B14F-4D97-AF65-F5344CB8AC3E}">
